--- a/assets/2023_11_03_ChatoperaStoreDocs.pptx
+++ b/assets/2023_11_03_ChatoperaStoreDocs.pptx
@@ -6,6 +6,16 @@
   </p:sldMasterIdLst>
   <p:sldIdLst>
     <p:sldId id="256" r:id="rId2"/>
+    <p:sldId id="257" r:id="rId3"/>
+    <p:sldId id="258" r:id="rId4"/>
+    <p:sldId id="259" r:id="rId5"/>
+    <p:sldId id="260" r:id="rId6"/>
+    <p:sldId id="261" r:id="rId7"/>
+    <p:sldId id="262" r:id="rId8"/>
+    <p:sldId id="263" r:id="rId9"/>
+    <p:sldId id="264" r:id="rId10"/>
+    <p:sldId id="265" r:id="rId11"/>
+    <p:sldId id="266" r:id="rId12"/>
   </p:sldIdLst>
   <p:sldSz cx="12192000" cy="6858000"/>
   <p:notesSz cx="6858000" cy="9144000"/>
@@ -3555,6 +3565,627 @@
 </p:sld>
 </file>
 
+<file path=ppt/slides/slide10.xml><?xml version="1.0" encoding="utf-8"?>
+<p:sld xmlns:a="http://schemas.openxmlformats.org/drawingml/2006/main" xmlns:r="http://schemas.openxmlformats.org/officeDocument/2006/relationships" xmlns:p="http://schemas.openxmlformats.org/presentationml/2006/main">
+  <p:cSld>
+    <p:spTree>
+      <p:nvGrpSpPr>
+        <p:cNvPr id="1" name=""/>
+        <p:cNvGrpSpPr/>
+        <p:nvPr/>
+      </p:nvGrpSpPr>
+      <p:grpSpPr>
+        <a:xfrm>
+          <a:off x="0" y="0"/>
+          <a:ext cx="0" cy="0"/>
+          <a:chOff x="0" y="0"/>
+          <a:chExt cx="0" cy="0"/>
+        </a:xfrm>
+      </p:grpSpPr>
+    </p:spTree>
+    <p:extLst>
+      <p:ext uri="{BB962C8B-B14F-4D97-AF65-F5344CB8AC3E}">
+        <p14:creationId xmlns:p14="http://schemas.microsoft.com/office/powerpoint/2010/main" val="4137678673"/>
+      </p:ext>
+    </p:extLst>
+  </p:cSld>
+  <p:clrMapOvr>
+    <a:masterClrMapping/>
+  </p:clrMapOvr>
+</p:sld>
+</file>
+
+<file path=ppt/slides/slide11.xml><?xml version="1.0" encoding="utf-8"?>
+<p:sld xmlns:a="http://schemas.openxmlformats.org/drawingml/2006/main" xmlns:r="http://schemas.openxmlformats.org/officeDocument/2006/relationships" xmlns:p="http://schemas.openxmlformats.org/presentationml/2006/main">
+  <p:cSld>
+    <p:spTree>
+      <p:nvGrpSpPr>
+        <p:cNvPr id="1" name=""/>
+        <p:cNvGrpSpPr/>
+        <p:nvPr/>
+      </p:nvGrpSpPr>
+      <p:grpSpPr>
+        <a:xfrm>
+          <a:off x="0" y="0"/>
+          <a:ext cx="0" cy="0"/>
+          <a:chOff x="0" y="0"/>
+          <a:chExt cx="0" cy="0"/>
+        </a:xfrm>
+      </p:grpSpPr>
+    </p:spTree>
+    <p:extLst>
+      <p:ext uri="{BB962C8B-B14F-4D97-AF65-F5344CB8AC3E}">
+        <p14:creationId xmlns:p14="http://schemas.microsoft.com/office/powerpoint/2010/main" val="2376622783"/>
+      </p:ext>
+    </p:extLst>
+  </p:cSld>
+  <p:clrMapOvr>
+    <a:masterClrMapping/>
+  </p:clrMapOvr>
+</p:sld>
+</file>
+
+<file path=ppt/slides/slide2.xml><?xml version="1.0" encoding="utf-8"?>
+<p:sld xmlns:a="http://schemas.openxmlformats.org/drawingml/2006/main" xmlns:r="http://schemas.openxmlformats.org/officeDocument/2006/relationships" xmlns:p="http://schemas.openxmlformats.org/presentationml/2006/main">
+  <p:cSld>
+    <p:spTree>
+      <p:nvGrpSpPr>
+        <p:cNvPr id="1" name=""/>
+        <p:cNvGrpSpPr/>
+        <p:nvPr/>
+      </p:nvGrpSpPr>
+      <p:grpSpPr>
+        <a:xfrm>
+          <a:off x="0" y="0"/>
+          <a:ext cx="0" cy="0"/>
+          <a:chOff x="0" y="0"/>
+          <a:chExt cx="0" cy="0"/>
+        </a:xfrm>
+      </p:grpSpPr>
+      <p:pic>
+        <p:nvPicPr>
+          <p:cNvPr id="5" name="图片 4" descr="图形用户界面, 文本, 应用程序&#10;&#10;描述已自动生成">
+            <a:extLst>
+              <a:ext uri="{FF2B5EF4-FFF2-40B4-BE49-F238E27FC236}">
+                <a16:creationId xmlns:a16="http://schemas.microsoft.com/office/drawing/2014/main" id="{3D8AD30A-E00C-E699-8DE6-9EB344741C35}"/>
+              </a:ext>
+            </a:extLst>
+          </p:cNvPr>
+          <p:cNvPicPr>
+            <a:picLocks noChangeAspect="1"/>
+          </p:cNvPicPr>
+          <p:nvPr/>
+        </p:nvPicPr>
+        <p:blipFill>
+          <a:blip r:embed="rId2">
+            <a:extLst>
+              <a:ext uri="{28A0092B-C50C-407E-A947-70E740481C1C}">
+                <a14:useLocalDpi xmlns:a14="http://schemas.microsoft.com/office/drawing/2010/main" val="0"/>
+              </a:ext>
+            </a:extLst>
+          </a:blip>
+          <a:stretch>
+            <a:fillRect/>
+          </a:stretch>
+        </p:blipFill>
+        <p:spPr>
+          <a:xfrm>
+            <a:off x="2120479" y="1085203"/>
+            <a:ext cx="8314379" cy="4585639"/>
+          </a:xfrm>
+          <a:prstGeom prst="rect">
+            <a:avLst/>
+          </a:prstGeom>
+          <a:ln>
+            <a:noFill/>
+          </a:ln>
+          <a:effectLst>
+            <a:outerShdw blurRad="292100" dist="139700" dir="2700000" algn="tl" rotWithShape="0">
+              <a:srgbClr val="333333">
+                <a:alpha val="65000"/>
+              </a:srgbClr>
+            </a:outerShdw>
+          </a:effectLst>
+        </p:spPr>
+      </p:pic>
+    </p:spTree>
+    <p:extLst>
+      <p:ext uri="{BB962C8B-B14F-4D97-AF65-F5344CB8AC3E}">
+        <p14:creationId xmlns:p14="http://schemas.microsoft.com/office/powerpoint/2010/main" val="1751302472"/>
+      </p:ext>
+    </p:extLst>
+  </p:cSld>
+  <p:clrMapOvr>
+    <a:masterClrMapping/>
+  </p:clrMapOvr>
+</p:sld>
+</file>
+
+<file path=ppt/slides/slide3.xml><?xml version="1.0" encoding="utf-8"?>
+<p:sld xmlns:a="http://schemas.openxmlformats.org/drawingml/2006/main" xmlns:r="http://schemas.openxmlformats.org/officeDocument/2006/relationships" xmlns:p="http://schemas.openxmlformats.org/presentationml/2006/main">
+  <p:cSld>
+    <p:spTree>
+      <p:nvGrpSpPr>
+        <p:cNvPr id="1" name=""/>
+        <p:cNvGrpSpPr/>
+        <p:nvPr/>
+      </p:nvGrpSpPr>
+      <p:grpSpPr>
+        <a:xfrm>
+          <a:off x="0" y="0"/>
+          <a:ext cx="0" cy="0"/>
+          <a:chOff x="0" y="0"/>
+          <a:chExt cx="0" cy="0"/>
+        </a:xfrm>
+      </p:grpSpPr>
+      <p:pic>
+        <p:nvPicPr>
+          <p:cNvPr id="5" name="图片 4" descr="文本, 信件&#10;&#10;描述已自动生成">
+            <a:extLst>
+              <a:ext uri="{FF2B5EF4-FFF2-40B4-BE49-F238E27FC236}">
+                <a16:creationId xmlns:a16="http://schemas.microsoft.com/office/drawing/2014/main" id="{FB21D416-7DBB-72C2-2EC8-718487DD512E}"/>
+              </a:ext>
+            </a:extLst>
+          </p:cNvPr>
+          <p:cNvPicPr>
+            <a:picLocks noChangeAspect="1"/>
+          </p:cNvPicPr>
+          <p:nvPr/>
+        </p:nvPicPr>
+        <p:blipFill>
+          <a:blip r:embed="rId2">
+            <a:extLst>
+              <a:ext uri="{28A0092B-C50C-407E-A947-70E740481C1C}">
+                <a14:useLocalDpi xmlns:a14="http://schemas.microsoft.com/office/drawing/2010/main" val="0"/>
+              </a:ext>
+            </a:extLst>
+          </a:blip>
+          <a:stretch>
+            <a:fillRect/>
+          </a:stretch>
+        </p:blipFill>
+        <p:spPr>
+          <a:xfrm>
+            <a:off x="2646311" y="1994590"/>
+            <a:ext cx="6758082" cy="3391740"/>
+          </a:xfrm>
+          <a:prstGeom prst="rect">
+            <a:avLst/>
+          </a:prstGeom>
+          <a:ln>
+            <a:noFill/>
+          </a:ln>
+          <a:effectLst>
+            <a:outerShdw blurRad="292100" dist="139700" dir="2700000" algn="tl" rotWithShape="0">
+              <a:srgbClr val="333333">
+                <a:alpha val="65000"/>
+              </a:srgbClr>
+            </a:outerShdw>
+          </a:effectLst>
+        </p:spPr>
+      </p:pic>
+    </p:spTree>
+    <p:extLst>
+      <p:ext uri="{BB962C8B-B14F-4D97-AF65-F5344CB8AC3E}">
+        <p14:creationId xmlns:p14="http://schemas.microsoft.com/office/powerpoint/2010/main" val="2770544376"/>
+      </p:ext>
+    </p:extLst>
+  </p:cSld>
+  <p:clrMapOvr>
+    <a:masterClrMapping/>
+  </p:clrMapOvr>
+</p:sld>
+</file>
+
+<file path=ppt/slides/slide4.xml><?xml version="1.0" encoding="utf-8"?>
+<p:sld xmlns:a="http://schemas.openxmlformats.org/drawingml/2006/main" xmlns:r="http://schemas.openxmlformats.org/officeDocument/2006/relationships" xmlns:p="http://schemas.openxmlformats.org/presentationml/2006/main">
+  <p:cSld>
+    <p:spTree>
+      <p:nvGrpSpPr>
+        <p:cNvPr id="1" name=""/>
+        <p:cNvGrpSpPr/>
+        <p:nvPr/>
+      </p:nvGrpSpPr>
+      <p:grpSpPr>
+        <a:xfrm>
+          <a:off x="0" y="0"/>
+          <a:ext cx="0" cy="0"/>
+          <a:chOff x="0" y="0"/>
+          <a:chExt cx="0" cy="0"/>
+        </a:xfrm>
+      </p:grpSpPr>
+      <p:pic>
+        <p:nvPicPr>
+          <p:cNvPr id="5" name="图片 4" descr="文本, 信件&#10;&#10;描述已自动生成">
+            <a:extLst>
+              <a:ext uri="{FF2B5EF4-FFF2-40B4-BE49-F238E27FC236}">
+                <a16:creationId xmlns:a16="http://schemas.microsoft.com/office/drawing/2014/main" id="{2BEA4F3D-77C6-C497-BA25-1086D18D4EA1}"/>
+              </a:ext>
+            </a:extLst>
+          </p:cNvPr>
+          <p:cNvPicPr>
+            <a:picLocks noChangeAspect="1"/>
+          </p:cNvPicPr>
+          <p:nvPr/>
+        </p:nvPicPr>
+        <p:blipFill rotWithShape="1">
+          <a:blip r:embed="rId2">
+            <a:extLst>
+              <a:ext uri="{28A0092B-C50C-407E-A947-70E740481C1C}">
+                <a14:useLocalDpi xmlns:a14="http://schemas.microsoft.com/office/drawing/2010/main" val="0"/>
+              </a:ext>
+            </a:extLst>
+          </a:blip>
+          <a:srcRect t="1098"/>
+          <a:stretch/>
+        </p:blipFill>
+        <p:spPr>
+          <a:xfrm>
+            <a:off x="832571" y="519535"/>
+            <a:ext cx="2967959" cy="5231097"/>
+          </a:xfrm>
+          <a:prstGeom prst="rect">
+            <a:avLst/>
+          </a:prstGeom>
+          <a:ln>
+            <a:noFill/>
+          </a:ln>
+          <a:effectLst>
+            <a:outerShdw blurRad="292100" dist="139700" dir="2700000" algn="tl" rotWithShape="0">
+              <a:srgbClr val="333333">
+                <a:alpha val="65000"/>
+              </a:srgbClr>
+            </a:outerShdw>
+          </a:effectLst>
+        </p:spPr>
+      </p:pic>
+      <p:pic>
+        <p:nvPicPr>
+          <p:cNvPr id="7" name="图片 6" descr="图形用户界面, 文本, 应用程序&#10;&#10;描述已自动生成">
+            <a:extLst>
+              <a:ext uri="{FF2B5EF4-FFF2-40B4-BE49-F238E27FC236}">
+                <a16:creationId xmlns:a16="http://schemas.microsoft.com/office/drawing/2014/main" id="{32DE65E2-909B-B6B5-BC1F-03B40E1AED91}"/>
+              </a:ext>
+            </a:extLst>
+          </p:cNvPr>
+          <p:cNvPicPr>
+            <a:picLocks noChangeAspect="1"/>
+          </p:cNvPicPr>
+          <p:nvPr/>
+        </p:nvPicPr>
+        <p:blipFill>
+          <a:blip r:embed="rId3">
+            <a:extLst>
+              <a:ext uri="{28A0092B-C50C-407E-A947-70E740481C1C}">
+                <a14:useLocalDpi xmlns:a14="http://schemas.microsoft.com/office/drawing/2010/main" val="0"/>
+              </a:ext>
+            </a:extLst>
+          </a:blip>
+          <a:stretch>
+            <a:fillRect/>
+          </a:stretch>
+        </p:blipFill>
+        <p:spPr>
+          <a:xfrm>
+            <a:off x="4363278" y="519535"/>
+            <a:ext cx="2917301" cy="5298363"/>
+          </a:xfrm>
+          <a:prstGeom prst="rect">
+            <a:avLst/>
+          </a:prstGeom>
+          <a:ln>
+            <a:noFill/>
+          </a:ln>
+          <a:effectLst>
+            <a:outerShdw blurRad="292100" dist="139700" dir="2700000" algn="tl" rotWithShape="0">
+              <a:srgbClr val="333333">
+                <a:alpha val="65000"/>
+              </a:srgbClr>
+            </a:outerShdw>
+          </a:effectLst>
+        </p:spPr>
+      </p:pic>
+      <p:pic>
+        <p:nvPicPr>
+          <p:cNvPr id="9" name="图片 8" descr="图形用户界面, 应用程序&#10;&#10;描述已自动生成">
+            <a:extLst>
+              <a:ext uri="{FF2B5EF4-FFF2-40B4-BE49-F238E27FC236}">
+                <a16:creationId xmlns:a16="http://schemas.microsoft.com/office/drawing/2014/main" id="{6C00F727-3DE2-FD03-966B-0223D826046C}"/>
+              </a:ext>
+            </a:extLst>
+          </p:cNvPr>
+          <p:cNvPicPr>
+            <a:picLocks noChangeAspect="1"/>
+          </p:cNvPicPr>
+          <p:nvPr/>
+        </p:nvPicPr>
+        <p:blipFill>
+          <a:blip r:embed="rId4">
+            <a:extLst>
+              <a:ext uri="{28A0092B-C50C-407E-A947-70E740481C1C}">
+                <a14:useLocalDpi xmlns:a14="http://schemas.microsoft.com/office/drawing/2010/main" val="0"/>
+              </a:ext>
+            </a:extLst>
+          </a:blip>
+          <a:stretch>
+            <a:fillRect/>
+          </a:stretch>
+        </p:blipFill>
+        <p:spPr>
+          <a:xfrm>
+            <a:off x="7941671" y="519535"/>
+            <a:ext cx="2952923" cy="5298363"/>
+          </a:xfrm>
+          <a:prstGeom prst="rect">
+            <a:avLst/>
+          </a:prstGeom>
+          <a:ln>
+            <a:noFill/>
+          </a:ln>
+          <a:effectLst>
+            <a:outerShdw blurRad="292100" dist="139700" dir="2700000" algn="tl" rotWithShape="0">
+              <a:srgbClr val="333333">
+                <a:alpha val="65000"/>
+              </a:srgbClr>
+            </a:outerShdw>
+          </a:effectLst>
+        </p:spPr>
+      </p:pic>
+    </p:spTree>
+    <p:extLst>
+      <p:ext uri="{BB962C8B-B14F-4D97-AF65-F5344CB8AC3E}">
+        <p14:creationId xmlns:p14="http://schemas.microsoft.com/office/powerpoint/2010/main" val="3807335580"/>
+      </p:ext>
+    </p:extLst>
+  </p:cSld>
+  <p:clrMapOvr>
+    <a:masterClrMapping/>
+  </p:clrMapOvr>
+</p:sld>
+</file>
+
+<file path=ppt/slides/slide5.xml><?xml version="1.0" encoding="utf-8"?>
+<p:sld xmlns:a="http://schemas.openxmlformats.org/drawingml/2006/main" xmlns:r="http://schemas.openxmlformats.org/officeDocument/2006/relationships" xmlns:p="http://schemas.openxmlformats.org/presentationml/2006/main">
+  <p:cSld>
+    <p:spTree>
+      <p:nvGrpSpPr>
+        <p:cNvPr id="1" name=""/>
+        <p:cNvGrpSpPr/>
+        <p:nvPr/>
+      </p:nvGrpSpPr>
+      <p:grpSpPr>
+        <a:xfrm>
+          <a:off x="0" y="0"/>
+          <a:ext cx="0" cy="0"/>
+          <a:chOff x="0" y="0"/>
+          <a:chExt cx="0" cy="0"/>
+        </a:xfrm>
+      </p:grpSpPr>
+      <p:pic>
+        <p:nvPicPr>
+          <p:cNvPr id="5" name="图片 4" descr="QR 代码&#10;&#10;描述已自动生成">
+            <a:extLst>
+              <a:ext uri="{FF2B5EF4-FFF2-40B4-BE49-F238E27FC236}">
+                <a16:creationId xmlns:a16="http://schemas.microsoft.com/office/drawing/2014/main" id="{297CB5B3-164C-77AD-DB3A-966559377CFA}"/>
+              </a:ext>
+            </a:extLst>
+          </p:cNvPr>
+          <p:cNvPicPr>
+            <a:picLocks noChangeAspect="1"/>
+          </p:cNvPicPr>
+          <p:nvPr/>
+        </p:nvPicPr>
+        <p:blipFill>
+          <a:blip r:embed="rId2">
+            <a:extLst>
+              <a:ext uri="{28A0092B-C50C-407E-A947-70E740481C1C}">
+                <a14:useLocalDpi xmlns:a14="http://schemas.microsoft.com/office/drawing/2010/main" val="0"/>
+              </a:ext>
+            </a:extLst>
+          </a:blip>
+          <a:stretch>
+            <a:fillRect/>
+          </a:stretch>
+        </p:blipFill>
+        <p:spPr>
+          <a:xfrm>
+            <a:off x="2165819" y="1758902"/>
+            <a:ext cx="6239396" cy="4093864"/>
+          </a:xfrm>
+          <a:prstGeom prst="rect">
+            <a:avLst/>
+          </a:prstGeom>
+          <a:ln>
+            <a:noFill/>
+          </a:ln>
+          <a:effectLst>
+            <a:outerShdw blurRad="292100" dist="139700" dir="2700000" algn="tl" rotWithShape="0">
+              <a:srgbClr val="333333">
+                <a:alpha val="65000"/>
+              </a:srgbClr>
+            </a:outerShdw>
+          </a:effectLst>
+        </p:spPr>
+      </p:pic>
+    </p:spTree>
+    <p:extLst>
+      <p:ext uri="{BB962C8B-B14F-4D97-AF65-F5344CB8AC3E}">
+        <p14:creationId xmlns:p14="http://schemas.microsoft.com/office/powerpoint/2010/main" val="3124328908"/>
+      </p:ext>
+    </p:extLst>
+  </p:cSld>
+  <p:clrMapOvr>
+    <a:masterClrMapping/>
+  </p:clrMapOvr>
+</p:sld>
+</file>
+
+<file path=ppt/slides/slide6.xml><?xml version="1.0" encoding="utf-8"?>
+<p:sld xmlns:a="http://schemas.openxmlformats.org/drawingml/2006/main" xmlns:r="http://schemas.openxmlformats.org/officeDocument/2006/relationships" xmlns:p="http://schemas.openxmlformats.org/presentationml/2006/main">
+  <p:cSld>
+    <p:spTree>
+      <p:nvGrpSpPr>
+        <p:cNvPr id="1" name=""/>
+        <p:cNvGrpSpPr/>
+        <p:nvPr/>
+      </p:nvGrpSpPr>
+      <p:grpSpPr>
+        <a:xfrm>
+          <a:off x="0" y="0"/>
+          <a:ext cx="0" cy="0"/>
+          <a:chOff x="0" y="0"/>
+          <a:chExt cx="0" cy="0"/>
+        </a:xfrm>
+      </p:grpSpPr>
+      <p:pic>
+        <p:nvPicPr>
+          <p:cNvPr id="5" name="图片 4" descr="图形用户界面, 应用程序&#10;&#10;描述已自动生成">
+            <a:extLst>
+              <a:ext uri="{FF2B5EF4-FFF2-40B4-BE49-F238E27FC236}">
+                <a16:creationId xmlns:a16="http://schemas.microsoft.com/office/drawing/2014/main" id="{B7F2F2B5-ADBA-C315-1D02-A92393C3EAD4}"/>
+              </a:ext>
+            </a:extLst>
+          </p:cNvPr>
+          <p:cNvPicPr>
+            <a:picLocks noChangeAspect="1"/>
+          </p:cNvPicPr>
+          <p:nvPr/>
+        </p:nvPicPr>
+        <p:blipFill>
+          <a:blip r:embed="rId2">
+            <a:extLst>
+              <a:ext uri="{28A0092B-C50C-407E-A947-70E740481C1C}">
+                <a14:useLocalDpi xmlns:a14="http://schemas.microsoft.com/office/drawing/2010/main" val="0"/>
+              </a:ext>
+            </a:extLst>
+          </a:blip>
+          <a:stretch>
+            <a:fillRect/>
+          </a:stretch>
+        </p:blipFill>
+        <p:spPr>
+          <a:xfrm>
+            <a:off x="1893063" y="573860"/>
+            <a:ext cx="8405874" cy="5710279"/>
+          </a:xfrm>
+          <a:prstGeom prst="rect">
+            <a:avLst/>
+          </a:prstGeom>
+          <a:ln>
+            <a:noFill/>
+          </a:ln>
+          <a:effectLst>
+            <a:outerShdw blurRad="292100" dist="139700" dir="2700000" algn="tl" rotWithShape="0">
+              <a:srgbClr val="333333">
+                <a:alpha val="65000"/>
+              </a:srgbClr>
+            </a:outerShdw>
+          </a:effectLst>
+        </p:spPr>
+      </p:pic>
+    </p:spTree>
+    <p:extLst>
+      <p:ext uri="{BB962C8B-B14F-4D97-AF65-F5344CB8AC3E}">
+        <p14:creationId xmlns:p14="http://schemas.microsoft.com/office/powerpoint/2010/main" val="2682347516"/>
+      </p:ext>
+    </p:extLst>
+  </p:cSld>
+  <p:clrMapOvr>
+    <a:masterClrMapping/>
+  </p:clrMapOvr>
+</p:sld>
+</file>
+
+<file path=ppt/slides/slide7.xml><?xml version="1.0" encoding="utf-8"?>
+<p:sld xmlns:a="http://schemas.openxmlformats.org/drawingml/2006/main" xmlns:r="http://schemas.openxmlformats.org/officeDocument/2006/relationships" xmlns:p="http://schemas.openxmlformats.org/presentationml/2006/main">
+  <p:cSld>
+    <p:spTree>
+      <p:nvGrpSpPr>
+        <p:cNvPr id="1" name=""/>
+        <p:cNvGrpSpPr/>
+        <p:nvPr/>
+      </p:nvGrpSpPr>
+      <p:grpSpPr>
+        <a:xfrm>
+          <a:off x="0" y="0"/>
+          <a:ext cx="0" cy="0"/>
+          <a:chOff x="0" y="0"/>
+          <a:chExt cx="0" cy="0"/>
+        </a:xfrm>
+      </p:grpSpPr>
+    </p:spTree>
+    <p:extLst>
+      <p:ext uri="{BB962C8B-B14F-4D97-AF65-F5344CB8AC3E}">
+        <p14:creationId xmlns:p14="http://schemas.microsoft.com/office/powerpoint/2010/main" val="3800137558"/>
+      </p:ext>
+    </p:extLst>
+  </p:cSld>
+  <p:clrMapOvr>
+    <a:masterClrMapping/>
+  </p:clrMapOvr>
+</p:sld>
+</file>
+
+<file path=ppt/slides/slide8.xml><?xml version="1.0" encoding="utf-8"?>
+<p:sld xmlns:a="http://schemas.openxmlformats.org/drawingml/2006/main" xmlns:r="http://schemas.openxmlformats.org/officeDocument/2006/relationships" xmlns:p="http://schemas.openxmlformats.org/presentationml/2006/main">
+  <p:cSld>
+    <p:spTree>
+      <p:nvGrpSpPr>
+        <p:cNvPr id="1" name=""/>
+        <p:cNvGrpSpPr/>
+        <p:nvPr/>
+      </p:nvGrpSpPr>
+      <p:grpSpPr>
+        <a:xfrm>
+          <a:off x="0" y="0"/>
+          <a:ext cx="0" cy="0"/>
+          <a:chOff x="0" y="0"/>
+          <a:chExt cx="0" cy="0"/>
+        </a:xfrm>
+      </p:grpSpPr>
+    </p:spTree>
+    <p:extLst>
+      <p:ext uri="{BB962C8B-B14F-4D97-AF65-F5344CB8AC3E}">
+        <p14:creationId xmlns:p14="http://schemas.microsoft.com/office/powerpoint/2010/main" val="1700068629"/>
+      </p:ext>
+    </p:extLst>
+  </p:cSld>
+  <p:clrMapOvr>
+    <a:masterClrMapping/>
+  </p:clrMapOvr>
+</p:sld>
+</file>
+
+<file path=ppt/slides/slide9.xml><?xml version="1.0" encoding="utf-8"?>
+<p:sld xmlns:a="http://schemas.openxmlformats.org/drawingml/2006/main" xmlns:r="http://schemas.openxmlformats.org/officeDocument/2006/relationships" xmlns:p="http://schemas.openxmlformats.org/presentationml/2006/main">
+  <p:cSld>
+    <p:spTree>
+      <p:nvGrpSpPr>
+        <p:cNvPr id="1" name=""/>
+        <p:cNvGrpSpPr/>
+        <p:nvPr/>
+      </p:nvGrpSpPr>
+      <p:grpSpPr>
+        <a:xfrm>
+          <a:off x="0" y="0"/>
+          <a:ext cx="0" cy="0"/>
+          <a:chOff x="0" y="0"/>
+          <a:chExt cx="0" cy="0"/>
+        </a:xfrm>
+      </p:grpSpPr>
+    </p:spTree>
+    <p:extLst>
+      <p:ext uri="{BB962C8B-B14F-4D97-AF65-F5344CB8AC3E}">
+        <p14:creationId xmlns:p14="http://schemas.microsoft.com/office/powerpoint/2010/main" val="2467950584"/>
+      </p:ext>
+    </p:extLst>
+  </p:cSld>
+  <p:clrMapOvr>
+    <a:masterClrMapping/>
+  </p:clrMapOvr>
+</p:sld>
+</file>
+
 <file path=ppt/theme/theme1.xml><?xml version="1.0" encoding="utf-8"?>
 <a:theme xmlns:a="http://schemas.openxmlformats.org/drawingml/2006/main" name="Office Theme">
   <a:themeElements>

--- a/assets/2023_11_03_ChatoperaStoreDocs.pptx
+++ b/assets/2023_11_03_ChatoperaStoreDocs.pptx
@@ -4113,6 +4113,391 @@
           <a:chExt cx="0" cy="0"/>
         </a:xfrm>
       </p:grpSpPr>
+      <p:grpSp>
+        <p:nvGrpSpPr>
+          <p:cNvPr id="15" name="组合 14">
+            <a:extLst>
+              <a:ext uri="{FF2B5EF4-FFF2-40B4-BE49-F238E27FC236}">
+                <a16:creationId xmlns:a16="http://schemas.microsoft.com/office/drawing/2014/main" id="{91448065-EC81-8B07-9FF7-D78F351DE385}"/>
+              </a:ext>
+            </a:extLst>
+          </p:cNvPr>
+          <p:cNvGrpSpPr/>
+          <p:nvPr/>
+        </p:nvGrpSpPr>
+        <p:grpSpPr>
+          <a:xfrm>
+            <a:off x="2278302" y="404175"/>
+            <a:ext cx="7134022" cy="6049650"/>
+            <a:chOff x="2278302" y="404175"/>
+            <a:chExt cx="7134022" cy="6049650"/>
+          </a:xfrm>
+        </p:grpSpPr>
+        <p:grpSp>
+          <p:nvGrpSpPr>
+            <p:cNvPr id="10" name="组合 9">
+              <a:extLst>
+                <a:ext uri="{FF2B5EF4-FFF2-40B4-BE49-F238E27FC236}">
+                  <a16:creationId xmlns:a16="http://schemas.microsoft.com/office/drawing/2014/main" id="{2C8CCAAF-6B9D-BA01-582D-3E763C4214DC}"/>
+                </a:ext>
+              </a:extLst>
+            </p:cNvPr>
+            <p:cNvGrpSpPr/>
+            <p:nvPr/>
+          </p:nvGrpSpPr>
+          <p:grpSpPr>
+            <a:xfrm>
+              <a:off x="2278302" y="404175"/>
+              <a:ext cx="7134022" cy="6049650"/>
+              <a:chOff x="2203759" y="404175"/>
+              <a:chExt cx="7134022" cy="6049650"/>
+            </a:xfrm>
+          </p:grpSpPr>
+          <p:pic>
+            <p:nvPicPr>
+              <p:cNvPr id="5" name="图片 4" descr="图形用户界面, 应用程序&#10;&#10;描述已自动生成">
+                <a:extLst>
+                  <a:ext uri="{FF2B5EF4-FFF2-40B4-BE49-F238E27FC236}">
+                    <a16:creationId xmlns:a16="http://schemas.microsoft.com/office/drawing/2014/main" id="{4D296C0E-2906-848A-2CA8-B59E07D1974E}"/>
+                  </a:ext>
+                </a:extLst>
+              </p:cNvPr>
+              <p:cNvPicPr>
+                <a:picLocks noChangeAspect="1"/>
+              </p:cNvPicPr>
+              <p:nvPr/>
+            </p:nvPicPr>
+            <p:blipFill>
+              <a:blip r:embed="rId2">
+                <a:extLst>
+                  <a:ext uri="{28A0092B-C50C-407E-A947-70E740481C1C}">
+                    <a14:useLocalDpi xmlns:a14="http://schemas.microsoft.com/office/drawing/2010/main" val="0"/>
+                  </a:ext>
+                </a:extLst>
+              </a:blip>
+              <a:stretch>
+                <a:fillRect/>
+              </a:stretch>
+            </p:blipFill>
+            <p:spPr>
+              <a:xfrm>
+                <a:off x="2203759" y="404175"/>
+                <a:ext cx="7134022" cy="6049650"/>
+              </a:xfrm>
+              <a:prstGeom prst="rect">
+                <a:avLst/>
+              </a:prstGeom>
+              <a:ln>
+                <a:noFill/>
+              </a:ln>
+              <a:effectLst>
+                <a:outerShdw blurRad="292100" dist="139700" dir="2700000" algn="tl" rotWithShape="0">
+                  <a:srgbClr val="333333">
+                    <a:alpha val="65000"/>
+                  </a:srgbClr>
+                </a:outerShdw>
+              </a:effectLst>
+            </p:spPr>
+          </p:pic>
+          <p:pic>
+            <p:nvPicPr>
+              <p:cNvPr id="7" name="图片 6" descr="文本, QR 代码&#10;&#10;描述已自动生成">
+                <a:extLst>
+                  <a:ext uri="{FF2B5EF4-FFF2-40B4-BE49-F238E27FC236}">
+                    <a16:creationId xmlns:a16="http://schemas.microsoft.com/office/drawing/2014/main" id="{A8AECF94-783B-0ACF-9243-CA5FCF358CB8}"/>
+                  </a:ext>
+                </a:extLst>
+              </p:cNvPr>
+              <p:cNvPicPr>
+                <a:picLocks noChangeAspect="1"/>
+              </p:cNvPicPr>
+              <p:nvPr/>
+            </p:nvPicPr>
+            <p:blipFill>
+              <a:blip r:embed="rId3">
+                <a:extLst>
+                  <a:ext uri="{28A0092B-C50C-407E-A947-70E740481C1C}">
+                    <a14:useLocalDpi xmlns:a14="http://schemas.microsoft.com/office/drawing/2010/main" val="0"/>
+                  </a:ext>
+                </a:extLst>
+              </a:blip>
+              <a:stretch>
+                <a:fillRect/>
+              </a:stretch>
+            </p:blipFill>
+            <p:spPr>
+              <a:xfrm>
+                <a:off x="7232761" y="3168099"/>
+                <a:ext cx="795098" cy="1228288"/>
+              </a:xfrm>
+              <a:prstGeom prst="rect">
+                <a:avLst/>
+              </a:prstGeom>
+              <a:ln>
+                <a:noFill/>
+              </a:ln>
+              <a:effectLst>
+                <a:outerShdw blurRad="292100" dist="139700" dir="2700000" algn="tl" rotWithShape="0">
+                  <a:srgbClr val="333333">
+                    <a:alpha val="65000"/>
+                  </a:srgbClr>
+                </a:outerShdw>
+              </a:effectLst>
+            </p:spPr>
+          </p:pic>
+        </p:grpSp>
+        <p:sp>
+          <p:nvSpPr>
+            <p:cNvPr id="11" name="矩形: 圆角 10">
+              <a:extLst>
+                <a:ext uri="{FF2B5EF4-FFF2-40B4-BE49-F238E27FC236}">
+                  <a16:creationId xmlns:a16="http://schemas.microsoft.com/office/drawing/2014/main" id="{5A71D3A0-5C57-61B7-0C8F-8A011BC8384A}"/>
+                </a:ext>
+              </a:extLst>
+            </p:cNvPr>
+            <p:cNvSpPr/>
+            <p:nvPr/>
+          </p:nvSpPr>
+          <p:spPr>
+            <a:xfrm>
+              <a:off x="6441680" y="1803983"/>
+              <a:ext cx="700709" cy="1257887"/>
+            </a:xfrm>
+            <a:prstGeom prst="roundRect">
+              <a:avLst/>
+            </a:prstGeom>
+            <a:solidFill>
+              <a:srgbClr val="7030A0"/>
+            </a:solidFill>
+            <a:ln>
+              <a:noFill/>
+            </a:ln>
+          </p:spPr>
+          <p:style>
+            <a:lnRef idx="2">
+              <a:schemeClr val="accent4">
+                <a:shade val="15000"/>
+              </a:schemeClr>
+            </a:lnRef>
+            <a:fillRef idx="1">
+              <a:schemeClr val="accent4"/>
+            </a:fillRef>
+            <a:effectRef idx="0">
+              <a:schemeClr val="accent4"/>
+            </a:effectRef>
+            <a:fontRef idx="minor">
+              <a:schemeClr val="lt1"/>
+            </a:fontRef>
+          </p:style>
+          <p:txBody>
+            <a:bodyPr rtlCol="0" anchor="ctr"/>
+            <a:lstStyle/>
+            <a:p>
+              <a:pPr algn="ctr"/>
+              <a:endParaRPr lang="zh-CN" altLang="en-US"/>
+            </a:p>
+          </p:txBody>
+        </p:sp>
+        <p:sp>
+          <p:nvSpPr>
+            <p:cNvPr id="13" name="文本框 12">
+              <a:extLst>
+                <a:ext uri="{FF2B5EF4-FFF2-40B4-BE49-F238E27FC236}">
+                  <a16:creationId xmlns:a16="http://schemas.microsoft.com/office/drawing/2014/main" id="{AA279AAF-4751-7264-1A4E-29167625E285}"/>
+                </a:ext>
+              </a:extLst>
+            </p:cNvPr>
+            <p:cNvSpPr txBox="1"/>
+            <p:nvPr/>
+          </p:nvSpPr>
+          <p:spPr>
+            <a:xfrm>
+              <a:off x="2509319" y="1299866"/>
+              <a:ext cx="3451373" cy="1688476"/>
+            </a:xfrm>
+            <a:prstGeom prst="rect">
+              <a:avLst/>
+            </a:prstGeom>
+            <a:noFill/>
+          </p:spPr>
+          <p:txBody>
+            <a:bodyPr wrap="square" rtlCol="0">
+              <a:spAutoFit/>
+            </a:bodyPr>
+            <a:lstStyle/>
+            <a:p>
+              <a:pPr>
+                <a:lnSpc>
+                  <a:spcPct val="200000"/>
+                </a:lnSpc>
+              </a:pPr>
+              <a:r>
+                <a:rPr lang="zh-CN" altLang="en-US" sz="2800" dirty="0">
+                  <a:solidFill>
+                    <a:schemeClr val="bg1"/>
+                  </a:solidFill>
+                  <a:latin typeface="HarmonyOS Sans SC Black" panose="00000A00000000000000" pitchFamily="2" charset="-122"/>
+                  <a:ea typeface="HarmonyOS Sans SC Black" panose="00000A00000000000000" pitchFamily="2" charset="-122"/>
+                </a:rPr>
+                <a:t>“我也有一个软件”</a:t>
+              </a:r>
+              <a:endParaRPr lang="en-US" altLang="zh-CN" sz="2800" dirty="0">
+                <a:solidFill>
+                  <a:schemeClr val="bg1"/>
+                </a:solidFill>
+                <a:latin typeface="HarmonyOS Sans SC Black" panose="00000A00000000000000" pitchFamily="2" charset="-122"/>
+                <a:ea typeface="HarmonyOS Sans SC Black" panose="00000A00000000000000" pitchFamily="2" charset="-122"/>
+              </a:endParaRPr>
+            </a:p>
+            <a:p>
+              <a:pPr>
+                <a:lnSpc>
+                  <a:spcPct val="200000"/>
+                </a:lnSpc>
+              </a:pPr>
+              <a:r>
+                <a:rPr lang="zh-CN" altLang="en-US" sz="2800" dirty="0">
+                  <a:solidFill>
+                    <a:schemeClr val="bg1"/>
+                  </a:solidFill>
+                  <a:latin typeface="HarmonyOS Sans SC Black" panose="00000A00000000000000" pitchFamily="2" charset="-122"/>
+                  <a:ea typeface="HarmonyOS Sans SC Black" panose="00000A00000000000000" pitchFamily="2" charset="-122"/>
+                </a:rPr>
+                <a:t>那就上架吧！</a:t>
+              </a:r>
+              <a:endParaRPr lang="en-US" altLang="zh-CN" sz="2800" dirty="0">
+                <a:solidFill>
+                  <a:schemeClr val="bg1"/>
+                </a:solidFill>
+                <a:latin typeface="HarmonyOS Sans SC Black" panose="00000A00000000000000" pitchFamily="2" charset="-122"/>
+                <a:ea typeface="HarmonyOS Sans SC Black" panose="00000A00000000000000" pitchFamily="2" charset="-122"/>
+              </a:endParaRPr>
+            </a:p>
+          </p:txBody>
+        </p:sp>
+      </p:grpSp>
+      <p:pic>
+        <p:nvPicPr>
+          <p:cNvPr id="17" name="图片 16" descr="QR 代码&#10;&#10;描述已自动生成">
+            <a:extLst>
+              <a:ext uri="{FF2B5EF4-FFF2-40B4-BE49-F238E27FC236}">
+                <a16:creationId xmlns:a16="http://schemas.microsoft.com/office/drawing/2014/main" id="{FCA95E46-5F56-4917-3439-60F1AFF5C9FE}"/>
+              </a:ext>
+            </a:extLst>
+          </p:cNvPr>
+          <p:cNvPicPr>
+            <a:picLocks noChangeAspect="1"/>
+          </p:cNvPicPr>
+          <p:nvPr/>
+        </p:nvPicPr>
+        <p:blipFill>
+          <a:blip r:embed="rId4">
+            <a:extLst>
+              <a:ext uri="{28A0092B-C50C-407E-A947-70E740481C1C}">
+                <a14:useLocalDpi xmlns:a14="http://schemas.microsoft.com/office/drawing/2010/main" val="0"/>
+              </a:ext>
+            </a:extLst>
+          </a:blip>
+          <a:stretch>
+            <a:fillRect/>
+          </a:stretch>
+        </p:blipFill>
+        <p:spPr>
+          <a:xfrm>
+            <a:off x="3087125" y="3408798"/>
+            <a:ext cx="2031240" cy="2149336"/>
+          </a:xfrm>
+          <a:prstGeom prst="rect">
+            <a:avLst/>
+          </a:prstGeom>
+          <a:ln>
+            <a:noFill/>
+          </a:ln>
+          <a:effectLst>
+            <a:outerShdw blurRad="292100" dist="139700" dir="2700000" algn="tl" rotWithShape="0">
+              <a:srgbClr val="333333">
+                <a:alpha val="65000"/>
+              </a:srgbClr>
+            </a:outerShdw>
+          </a:effectLst>
+        </p:spPr>
+      </p:pic>
+      <p:sp>
+        <p:nvSpPr>
+          <p:cNvPr id="18" name="思想气泡: 云 17">
+            <a:extLst>
+              <a:ext uri="{FF2B5EF4-FFF2-40B4-BE49-F238E27FC236}">
+                <a16:creationId xmlns:a16="http://schemas.microsoft.com/office/drawing/2014/main" id="{62FDC524-1F22-2DCB-8C09-793AA891D14E}"/>
+              </a:ext>
+            </a:extLst>
+          </p:cNvPr>
+          <p:cNvSpPr/>
+          <p:nvPr/>
+        </p:nvSpPr>
+        <p:spPr>
+          <a:xfrm>
+            <a:off x="6493298" y="2211456"/>
+            <a:ext cx="597472" cy="300380"/>
+          </a:xfrm>
+          <a:prstGeom prst="cloudCallout">
+            <a:avLst/>
+          </a:prstGeom>
+          <a:solidFill>
+            <a:schemeClr val="bg1"/>
+          </a:solidFill>
+          <a:ln>
+            <a:solidFill>
+              <a:schemeClr val="bg1"/>
+            </a:solidFill>
+          </a:ln>
+        </p:spPr>
+        <p:style>
+          <a:lnRef idx="2">
+            <a:schemeClr val="accent1">
+              <a:shade val="15000"/>
+            </a:schemeClr>
+          </a:lnRef>
+          <a:fillRef idx="1">
+            <a:schemeClr val="accent1"/>
+          </a:fillRef>
+          <a:effectRef idx="0">
+            <a:schemeClr val="accent1"/>
+          </a:effectRef>
+          <a:fontRef idx="minor">
+            <a:schemeClr val="lt1"/>
+          </a:fontRef>
+        </p:style>
+        <p:txBody>
+          <a:bodyPr rtlCol="0" anchor="ctr"/>
+          <a:lstStyle/>
+          <a:p>
+            <a:pPr algn="ctr"/>
+            <a:r>
+              <a:rPr lang="en-US" altLang="zh-CN" dirty="0">
+                <a:solidFill>
+                  <a:schemeClr val="tx1">
+                    <a:lumMod val="85000"/>
+                    <a:lumOff val="15000"/>
+                  </a:schemeClr>
+                </a:solidFill>
+                <a:latin typeface="HarmonyOS Sans SC Black" panose="00000A00000000000000" pitchFamily="2" charset="-122"/>
+                <a:ea typeface="HarmonyOS Sans SC Black" panose="00000A00000000000000" pitchFamily="2" charset="-122"/>
+              </a:rPr>
+              <a:t>?</a:t>
+            </a:r>
+            <a:endParaRPr lang="zh-CN" altLang="en-US" dirty="0">
+              <a:solidFill>
+                <a:schemeClr val="tx1">
+                  <a:lumMod val="85000"/>
+                  <a:lumOff val="15000"/>
+                </a:schemeClr>
+              </a:solidFill>
+              <a:latin typeface="HarmonyOS Sans SC Black" panose="00000A00000000000000" pitchFamily="2" charset="-122"/>
+              <a:ea typeface="HarmonyOS Sans SC Black" panose="00000A00000000000000" pitchFamily="2" charset="-122"/>
+            </a:endParaRPr>
+          </a:p>
+        </p:txBody>
+      </p:sp>
     </p:spTree>
     <p:extLst>
       <p:ext uri="{BB962C8B-B14F-4D97-AF65-F5344CB8AC3E}">

--- a/assets/2023_11_03_ChatoperaStoreDocs.pptx
+++ b/assets/2023_11_03_ChatoperaStoreDocs.pptx
@@ -4528,6 +4528,216 @@
           <a:chExt cx="0" cy="0"/>
         </a:xfrm>
       </p:grpSpPr>
+      <p:sp>
+        <p:nvSpPr>
+          <p:cNvPr id="9" name="矩形 8">
+            <a:extLst>
+              <a:ext uri="{FF2B5EF4-FFF2-40B4-BE49-F238E27FC236}">
+                <a16:creationId xmlns:a16="http://schemas.microsoft.com/office/drawing/2014/main" id="{AB4D883C-2A32-3249-0B38-1A50DEA6079A}"/>
+              </a:ext>
+            </a:extLst>
+          </p:cNvPr>
+          <p:cNvSpPr/>
+          <p:nvPr/>
+        </p:nvSpPr>
+        <p:spPr>
+          <a:xfrm>
+            <a:off x="0" y="0"/>
+            <a:ext cx="12192000" cy="6858000"/>
+          </a:xfrm>
+          <a:prstGeom prst="rect">
+            <a:avLst/>
+          </a:prstGeom>
+          <a:ln>
+            <a:noFill/>
+          </a:ln>
+        </p:spPr>
+        <p:style>
+          <a:lnRef idx="2">
+            <a:schemeClr val="accent1">
+              <a:shade val="15000"/>
+            </a:schemeClr>
+          </a:lnRef>
+          <a:fillRef idx="1">
+            <a:schemeClr val="accent1"/>
+          </a:fillRef>
+          <a:effectRef idx="0">
+            <a:schemeClr val="accent1"/>
+          </a:effectRef>
+          <a:fontRef idx="minor">
+            <a:schemeClr val="lt1"/>
+          </a:fontRef>
+        </p:style>
+        <p:txBody>
+          <a:bodyPr rtlCol="0" anchor="ctr"/>
+          <a:lstStyle/>
+          <a:p>
+            <a:pPr algn="ctr"/>
+            <a:endParaRPr lang="zh-CN" altLang="en-US"/>
+          </a:p>
+        </p:txBody>
+      </p:sp>
+      <p:sp>
+        <p:nvSpPr>
+          <p:cNvPr id="4" name="文本框 3">
+            <a:extLst>
+              <a:ext uri="{FF2B5EF4-FFF2-40B4-BE49-F238E27FC236}">
+                <a16:creationId xmlns:a16="http://schemas.microsoft.com/office/drawing/2014/main" id="{4BCFF03F-7728-9199-C026-94FAA26929E0}"/>
+              </a:ext>
+            </a:extLst>
+          </p:cNvPr>
+          <p:cNvSpPr txBox="1"/>
+          <p:nvPr/>
+        </p:nvSpPr>
+        <p:spPr>
+          <a:xfrm>
+            <a:off x="602033" y="852393"/>
+            <a:ext cx="6109365" cy="1107996"/>
+          </a:xfrm>
+          <a:prstGeom prst="rect">
+            <a:avLst/>
+          </a:prstGeom>
+          <a:noFill/>
+        </p:spPr>
+        <p:txBody>
+          <a:bodyPr wrap="none" rtlCol="0">
+            <a:spAutoFit/>
+          </a:bodyPr>
+          <a:lstStyle/>
+          <a:p>
+            <a:r>
+              <a:rPr lang="zh-CN" altLang="en-US" sz="6600" b="0" dirty="0">
+                <a:solidFill>
+                  <a:schemeClr val="bg1"/>
+                </a:solidFill>
+                <a:effectLst/>
+                <a:latin typeface="HarmonyOS Sans SC Black" panose="00000A00000000000000" pitchFamily="2" charset="-122"/>
+                <a:ea typeface="HarmonyOS Sans SC Black" panose="00000A00000000000000" pitchFamily="2" charset="-122"/>
+              </a:rPr>
+              <a:t>将你的开源项目</a:t>
+            </a:r>
+            <a:endParaRPr lang="en-US" altLang="zh-CN" sz="6600" b="0" dirty="0">
+              <a:solidFill>
+                <a:schemeClr val="bg1"/>
+              </a:solidFill>
+              <a:effectLst/>
+              <a:latin typeface="HarmonyOS Sans SC Black" panose="00000A00000000000000" pitchFamily="2" charset="-122"/>
+              <a:ea typeface="HarmonyOS Sans SC Black" panose="00000A00000000000000" pitchFamily="2" charset="-122"/>
+            </a:endParaRPr>
+          </a:p>
+        </p:txBody>
+      </p:sp>
+      <p:sp>
+        <p:nvSpPr>
+          <p:cNvPr id="6" name="文本框 5">
+            <a:extLst>
+              <a:ext uri="{FF2B5EF4-FFF2-40B4-BE49-F238E27FC236}">
+                <a16:creationId xmlns:a16="http://schemas.microsoft.com/office/drawing/2014/main" id="{4E98AF56-31DF-1140-D56F-6652F220E2A1}"/>
+              </a:ext>
+            </a:extLst>
+          </p:cNvPr>
+          <p:cNvSpPr txBox="1"/>
+          <p:nvPr/>
+        </p:nvSpPr>
+        <p:spPr>
+          <a:xfrm>
+            <a:off x="678938" y="4487207"/>
+            <a:ext cx="6095170" cy="1107996"/>
+          </a:xfrm>
+          <a:prstGeom prst="rect">
+            <a:avLst/>
+          </a:prstGeom>
+          <a:noFill/>
+        </p:spPr>
+        <p:txBody>
+          <a:bodyPr wrap="square">
+            <a:spAutoFit/>
+          </a:bodyPr>
+          <a:lstStyle/>
+          <a:p>
+            <a:r>
+              <a:rPr lang="zh-CN" altLang="en-US" sz="6600" b="0" dirty="0">
+                <a:solidFill>
+                  <a:schemeClr val="bg1"/>
+                </a:solidFill>
+                <a:effectLst/>
+                <a:latin typeface="HarmonyOS Sans SC Black" panose="00000A00000000000000" pitchFamily="2" charset="-122"/>
+                <a:ea typeface="HarmonyOS Sans SC Black" panose="00000A00000000000000" pitchFamily="2" charset="-122"/>
+              </a:rPr>
+              <a:t>开始赚钱！</a:t>
+            </a:r>
+          </a:p>
+        </p:txBody>
+      </p:sp>
+      <p:sp>
+        <p:nvSpPr>
+          <p:cNvPr id="8" name="文本框 7">
+            <a:extLst>
+              <a:ext uri="{FF2B5EF4-FFF2-40B4-BE49-F238E27FC236}">
+                <a16:creationId xmlns:a16="http://schemas.microsoft.com/office/drawing/2014/main" id="{5B4FA648-5235-88D3-76CB-74C2FA2088D0}"/>
+              </a:ext>
+            </a:extLst>
+          </p:cNvPr>
+          <p:cNvSpPr txBox="1"/>
+          <p:nvPr/>
+        </p:nvSpPr>
+        <p:spPr>
+          <a:xfrm>
+            <a:off x="536719" y="2586041"/>
+            <a:ext cx="11655281" cy="1107996"/>
+          </a:xfrm>
+          <a:prstGeom prst="rect">
+            <a:avLst/>
+          </a:prstGeom>
+          <a:noFill/>
+        </p:spPr>
+        <p:txBody>
+          <a:bodyPr wrap="square">
+            <a:spAutoFit/>
+          </a:bodyPr>
+          <a:lstStyle/>
+          <a:p>
+            <a:r>
+              <a:rPr lang="zh-CN" altLang="en-US" sz="6600" b="0" dirty="0">
+                <a:solidFill>
+                  <a:schemeClr val="bg1"/>
+                </a:solidFill>
+                <a:effectLst/>
+                <a:latin typeface="HarmonyOS Sans SC Black" panose="00000A00000000000000" pitchFamily="2" charset="-122"/>
+                <a:ea typeface="HarmonyOS Sans SC Black" panose="00000A00000000000000" pitchFamily="2" charset="-122"/>
+              </a:rPr>
+              <a:t>上架到 </a:t>
+            </a:r>
+            <a:r>
+              <a:rPr lang="en-US" altLang="zh-CN" sz="6600" b="0" dirty="0">
+                <a:solidFill>
+                  <a:schemeClr val="bg1"/>
+                </a:solidFill>
+                <a:effectLst/>
+                <a:latin typeface="HarmonyOS Sans SC Black" panose="00000A00000000000000" pitchFamily="2" charset="-122"/>
+                <a:ea typeface="HarmonyOS Sans SC Black" panose="00000A00000000000000" pitchFamily="2" charset="-122"/>
+              </a:rPr>
+              <a:t>Chatopera </a:t>
+            </a:r>
+            <a:r>
+              <a:rPr lang="zh-CN" altLang="en-US" sz="6600" b="0" dirty="0">
+                <a:solidFill>
+                  <a:schemeClr val="bg1"/>
+                </a:solidFill>
+                <a:effectLst/>
+                <a:latin typeface="HarmonyOS Sans SC Black" panose="00000A00000000000000" pitchFamily="2" charset="-122"/>
+                <a:ea typeface="HarmonyOS Sans SC Black" panose="00000A00000000000000" pitchFamily="2" charset="-122"/>
+              </a:rPr>
+              <a:t>证书商店</a:t>
+            </a:r>
+            <a:endParaRPr lang="zh-CN" altLang="en-US" sz="6600" dirty="0">
+              <a:solidFill>
+                <a:schemeClr val="bg1"/>
+              </a:solidFill>
+            </a:endParaRPr>
+          </a:p>
+        </p:txBody>
+      </p:sp>
     </p:spTree>
     <p:extLst>
       <p:ext uri="{BB962C8B-B14F-4D97-AF65-F5344CB8AC3E}">

--- a/assets/2023_11_03_ChatoperaStoreDocs.pptx
+++ b/assets/2023_11_03_ChatoperaStoreDocs.pptx
@@ -12,10 +12,11 @@
     <p:sldId id="260" r:id="rId6"/>
     <p:sldId id="261" r:id="rId7"/>
     <p:sldId id="262" r:id="rId8"/>
-    <p:sldId id="263" r:id="rId9"/>
-    <p:sldId id="264" r:id="rId10"/>
-    <p:sldId id="265" r:id="rId11"/>
-    <p:sldId id="266" r:id="rId12"/>
+    <p:sldId id="267" r:id="rId9"/>
+    <p:sldId id="263" r:id="rId10"/>
+    <p:sldId id="264" r:id="rId11"/>
+    <p:sldId id="265" r:id="rId12"/>
+    <p:sldId id="266" r:id="rId13"/>
   </p:sldIdLst>
   <p:sldSz cx="12192000" cy="6858000"/>
   <p:notesSz cx="6858000" cy="9144000"/>
@@ -3585,6 +3586,36 @@
     </p:spTree>
     <p:extLst>
       <p:ext uri="{BB962C8B-B14F-4D97-AF65-F5344CB8AC3E}">
+        <p14:creationId xmlns:p14="http://schemas.microsoft.com/office/powerpoint/2010/main" val="2467950584"/>
+      </p:ext>
+    </p:extLst>
+  </p:cSld>
+  <p:clrMapOvr>
+    <a:masterClrMapping/>
+  </p:clrMapOvr>
+</p:sld>
+</file>
+
+<file path=ppt/slides/slide11.xml><?xml version="1.0" encoding="utf-8"?>
+<p:sld xmlns:a="http://schemas.openxmlformats.org/drawingml/2006/main" xmlns:r="http://schemas.openxmlformats.org/officeDocument/2006/relationships" xmlns:p="http://schemas.openxmlformats.org/presentationml/2006/main">
+  <p:cSld>
+    <p:spTree>
+      <p:nvGrpSpPr>
+        <p:cNvPr id="1" name=""/>
+        <p:cNvGrpSpPr/>
+        <p:nvPr/>
+      </p:nvGrpSpPr>
+      <p:grpSpPr>
+        <a:xfrm>
+          <a:off x="0" y="0"/>
+          <a:ext cx="0" cy="0"/>
+          <a:chOff x="0" y="0"/>
+          <a:chExt cx="0" cy="0"/>
+        </a:xfrm>
+      </p:grpSpPr>
+    </p:spTree>
+    <p:extLst>
+      <p:ext uri="{BB962C8B-B14F-4D97-AF65-F5344CB8AC3E}">
         <p14:creationId xmlns:p14="http://schemas.microsoft.com/office/powerpoint/2010/main" val="4137678673"/>
       </p:ext>
     </p:extLst>
@@ -3595,7 +3626,7 @@
 </p:sld>
 </file>
 
-<file path=ppt/slides/slide11.xml><?xml version="1.0" encoding="utf-8"?>
+<file path=ppt/slides/slide12.xml><?xml version="1.0" encoding="utf-8"?>
 <p:sld xmlns:a="http://schemas.openxmlformats.org/drawingml/2006/main" xmlns:r="http://schemas.openxmlformats.org/officeDocument/2006/relationships" xmlns:p="http://schemas.openxmlformats.org/presentationml/2006/main">
   <p:cSld>
     <p:spTree>
@@ -4528,6 +4559,385 @@
           <a:chExt cx="0" cy="0"/>
         </a:xfrm>
       </p:grpSpPr>
+      <p:grpSp>
+        <p:nvGrpSpPr>
+          <p:cNvPr id="15" name="组合 14">
+            <a:extLst>
+              <a:ext uri="{FF2B5EF4-FFF2-40B4-BE49-F238E27FC236}">
+                <a16:creationId xmlns:a16="http://schemas.microsoft.com/office/drawing/2014/main" id="{91448065-EC81-8B07-9FF7-D78F351DE385}"/>
+              </a:ext>
+            </a:extLst>
+          </p:cNvPr>
+          <p:cNvGrpSpPr/>
+          <p:nvPr/>
+        </p:nvGrpSpPr>
+        <p:grpSpPr>
+          <a:xfrm>
+            <a:off x="2278302" y="404175"/>
+            <a:ext cx="7134022" cy="6049650"/>
+            <a:chOff x="2278302" y="404175"/>
+            <a:chExt cx="7134022" cy="6049650"/>
+          </a:xfrm>
+        </p:grpSpPr>
+        <p:grpSp>
+          <p:nvGrpSpPr>
+            <p:cNvPr id="10" name="组合 9">
+              <a:extLst>
+                <a:ext uri="{FF2B5EF4-FFF2-40B4-BE49-F238E27FC236}">
+                  <a16:creationId xmlns:a16="http://schemas.microsoft.com/office/drawing/2014/main" id="{2C8CCAAF-6B9D-BA01-582D-3E763C4214DC}"/>
+                </a:ext>
+              </a:extLst>
+            </p:cNvPr>
+            <p:cNvGrpSpPr/>
+            <p:nvPr/>
+          </p:nvGrpSpPr>
+          <p:grpSpPr>
+            <a:xfrm>
+              <a:off x="2278302" y="404175"/>
+              <a:ext cx="7134022" cy="6049650"/>
+              <a:chOff x="2203759" y="404175"/>
+              <a:chExt cx="7134022" cy="6049650"/>
+            </a:xfrm>
+          </p:grpSpPr>
+          <p:pic>
+            <p:nvPicPr>
+              <p:cNvPr id="5" name="图片 4" descr="图形用户界面, 应用程序&#10;&#10;描述已自动生成">
+                <a:extLst>
+                  <a:ext uri="{FF2B5EF4-FFF2-40B4-BE49-F238E27FC236}">
+                    <a16:creationId xmlns:a16="http://schemas.microsoft.com/office/drawing/2014/main" id="{4D296C0E-2906-848A-2CA8-B59E07D1974E}"/>
+                  </a:ext>
+                </a:extLst>
+              </p:cNvPr>
+              <p:cNvPicPr>
+                <a:picLocks noChangeAspect="1"/>
+              </p:cNvPicPr>
+              <p:nvPr/>
+            </p:nvPicPr>
+            <p:blipFill>
+              <a:blip r:embed="rId2">
+                <a:extLst>
+                  <a:ext uri="{28A0092B-C50C-407E-A947-70E740481C1C}">
+                    <a14:useLocalDpi xmlns:a14="http://schemas.microsoft.com/office/drawing/2010/main" val="0"/>
+                  </a:ext>
+                </a:extLst>
+              </a:blip>
+              <a:stretch>
+                <a:fillRect/>
+              </a:stretch>
+            </p:blipFill>
+            <p:spPr>
+              <a:xfrm>
+                <a:off x="2203759" y="404175"/>
+                <a:ext cx="7134022" cy="6049650"/>
+              </a:xfrm>
+              <a:prstGeom prst="rect">
+                <a:avLst/>
+              </a:prstGeom>
+              <a:ln>
+                <a:noFill/>
+              </a:ln>
+              <a:effectLst>
+                <a:outerShdw blurRad="292100" dist="139700" dir="2700000" algn="tl" rotWithShape="0">
+                  <a:srgbClr val="333333">
+                    <a:alpha val="65000"/>
+                  </a:srgbClr>
+                </a:outerShdw>
+              </a:effectLst>
+            </p:spPr>
+          </p:pic>
+          <p:pic>
+            <p:nvPicPr>
+              <p:cNvPr id="7" name="图片 6" descr="文本, QR 代码&#10;&#10;描述已自动生成">
+                <a:extLst>
+                  <a:ext uri="{FF2B5EF4-FFF2-40B4-BE49-F238E27FC236}">
+                    <a16:creationId xmlns:a16="http://schemas.microsoft.com/office/drawing/2014/main" id="{A8AECF94-783B-0ACF-9243-CA5FCF358CB8}"/>
+                  </a:ext>
+                </a:extLst>
+              </p:cNvPr>
+              <p:cNvPicPr>
+                <a:picLocks noChangeAspect="1"/>
+              </p:cNvPicPr>
+              <p:nvPr/>
+            </p:nvPicPr>
+            <p:blipFill>
+              <a:blip r:embed="rId3">
+                <a:extLst>
+                  <a:ext uri="{28A0092B-C50C-407E-A947-70E740481C1C}">
+                    <a14:useLocalDpi xmlns:a14="http://schemas.microsoft.com/office/drawing/2010/main" val="0"/>
+                  </a:ext>
+                </a:extLst>
+              </a:blip>
+              <a:stretch>
+                <a:fillRect/>
+              </a:stretch>
+            </p:blipFill>
+            <p:spPr>
+              <a:xfrm>
+                <a:off x="7232761" y="3168099"/>
+                <a:ext cx="795098" cy="1228288"/>
+              </a:xfrm>
+              <a:prstGeom prst="rect">
+                <a:avLst/>
+              </a:prstGeom>
+              <a:ln>
+                <a:noFill/>
+              </a:ln>
+              <a:effectLst>
+                <a:outerShdw blurRad="292100" dist="139700" dir="2700000" algn="tl" rotWithShape="0">
+                  <a:srgbClr val="333333">
+                    <a:alpha val="65000"/>
+                  </a:srgbClr>
+                </a:outerShdw>
+              </a:effectLst>
+            </p:spPr>
+          </p:pic>
+        </p:grpSp>
+        <p:sp>
+          <p:nvSpPr>
+            <p:cNvPr id="11" name="矩形: 圆角 10">
+              <a:extLst>
+                <a:ext uri="{FF2B5EF4-FFF2-40B4-BE49-F238E27FC236}">
+                  <a16:creationId xmlns:a16="http://schemas.microsoft.com/office/drawing/2014/main" id="{5A71D3A0-5C57-61B7-0C8F-8A011BC8384A}"/>
+                </a:ext>
+              </a:extLst>
+            </p:cNvPr>
+            <p:cNvSpPr/>
+            <p:nvPr/>
+          </p:nvSpPr>
+          <p:spPr>
+            <a:xfrm>
+              <a:off x="6441680" y="1803983"/>
+              <a:ext cx="700709" cy="1257887"/>
+            </a:xfrm>
+            <a:prstGeom prst="roundRect">
+              <a:avLst/>
+            </a:prstGeom>
+            <a:solidFill>
+              <a:srgbClr val="7030A0"/>
+            </a:solidFill>
+            <a:ln>
+              <a:noFill/>
+            </a:ln>
+          </p:spPr>
+          <p:style>
+            <a:lnRef idx="2">
+              <a:schemeClr val="accent4">
+                <a:shade val="15000"/>
+              </a:schemeClr>
+            </a:lnRef>
+            <a:fillRef idx="1">
+              <a:schemeClr val="accent4"/>
+            </a:fillRef>
+            <a:effectRef idx="0">
+              <a:schemeClr val="accent4"/>
+            </a:effectRef>
+            <a:fontRef idx="minor">
+              <a:schemeClr val="lt1"/>
+            </a:fontRef>
+          </p:style>
+          <p:txBody>
+            <a:bodyPr rtlCol="0" anchor="ctr"/>
+            <a:lstStyle/>
+            <a:p>
+              <a:pPr algn="ctr"/>
+              <a:endParaRPr lang="zh-CN" altLang="en-US"/>
+            </a:p>
+          </p:txBody>
+        </p:sp>
+        <p:sp>
+          <p:nvSpPr>
+            <p:cNvPr id="13" name="文本框 12">
+              <a:extLst>
+                <a:ext uri="{FF2B5EF4-FFF2-40B4-BE49-F238E27FC236}">
+                  <a16:creationId xmlns:a16="http://schemas.microsoft.com/office/drawing/2014/main" id="{AA279AAF-4751-7264-1A4E-29167625E285}"/>
+                </a:ext>
+              </a:extLst>
+            </p:cNvPr>
+            <p:cNvSpPr txBox="1"/>
+            <p:nvPr/>
+          </p:nvSpPr>
+          <p:spPr>
+            <a:xfrm>
+              <a:off x="2509319" y="1299866"/>
+              <a:ext cx="3451373" cy="1460400"/>
+            </a:xfrm>
+            <a:prstGeom prst="rect">
+              <a:avLst/>
+            </a:prstGeom>
+            <a:noFill/>
+          </p:spPr>
+          <p:txBody>
+            <a:bodyPr wrap="square" rtlCol="0">
+              <a:spAutoFit/>
+            </a:bodyPr>
+            <a:lstStyle/>
+            <a:p>
+              <a:pPr>
+                <a:lnSpc>
+                  <a:spcPct val="200000"/>
+                </a:lnSpc>
+              </a:pPr>
+              <a:r>
+                <a:rPr lang="en-US" altLang="zh-CN" sz="2400" dirty="0">
+                  <a:solidFill>
+                    <a:schemeClr val="bg1"/>
+                  </a:solidFill>
+                  <a:latin typeface="HarmonyOS Sans SC Black" panose="00000A00000000000000" pitchFamily="2" charset="-122"/>
+                  <a:ea typeface="HarmonyOS Sans SC Black" panose="00000A00000000000000" pitchFamily="2" charset="-122"/>
+                </a:rPr>
+                <a:t>Chatopera </a:t>
+              </a:r>
+              <a:r>
+                <a:rPr lang="zh-CN" altLang="en-US" sz="2400" dirty="0">
+                  <a:solidFill>
+                    <a:schemeClr val="bg1"/>
+                  </a:solidFill>
+                  <a:latin typeface="HarmonyOS Sans SC Black" panose="00000A00000000000000" pitchFamily="2" charset="-122"/>
+                  <a:ea typeface="HarmonyOS Sans SC Black" panose="00000A00000000000000" pitchFamily="2" charset="-122"/>
+                </a:rPr>
+                <a:t>证书商店</a:t>
+              </a:r>
+              <a:endParaRPr lang="en-US" altLang="zh-CN" sz="2400" dirty="0">
+                <a:solidFill>
+                  <a:schemeClr val="bg1"/>
+                </a:solidFill>
+                <a:latin typeface="HarmonyOS Sans SC Black" panose="00000A00000000000000" pitchFamily="2" charset="-122"/>
+                <a:ea typeface="HarmonyOS Sans SC Black" panose="00000A00000000000000" pitchFamily="2" charset="-122"/>
+              </a:endParaRPr>
+            </a:p>
+            <a:p>
+              <a:pPr>
+                <a:lnSpc>
+                  <a:spcPct val="200000"/>
+                </a:lnSpc>
+              </a:pPr>
+              <a:r>
+                <a:rPr lang="zh-CN" altLang="en-US" sz="2400" dirty="0">
+                  <a:solidFill>
+                    <a:schemeClr val="bg1"/>
+                  </a:solidFill>
+                  <a:latin typeface="HarmonyOS Sans SC Black" panose="00000A00000000000000" pitchFamily="2" charset="-122"/>
+                  <a:ea typeface="HarmonyOS Sans SC Black" panose="00000A00000000000000" pitchFamily="2" charset="-122"/>
+                </a:rPr>
+                <a:t>开发者的收银工具</a:t>
+              </a:r>
+              <a:endParaRPr lang="en-US" altLang="zh-CN" sz="2400" dirty="0">
+                <a:solidFill>
+                  <a:schemeClr val="bg1"/>
+                </a:solidFill>
+                <a:latin typeface="HarmonyOS Sans SC Black" panose="00000A00000000000000" pitchFamily="2" charset="-122"/>
+                <a:ea typeface="HarmonyOS Sans SC Black" panose="00000A00000000000000" pitchFamily="2" charset="-122"/>
+              </a:endParaRPr>
+            </a:p>
+          </p:txBody>
+        </p:sp>
+      </p:grpSp>
+      <p:sp>
+        <p:nvSpPr>
+          <p:cNvPr id="18" name="思想气泡: 云 17">
+            <a:extLst>
+              <a:ext uri="{FF2B5EF4-FFF2-40B4-BE49-F238E27FC236}">
+                <a16:creationId xmlns:a16="http://schemas.microsoft.com/office/drawing/2014/main" id="{62FDC524-1F22-2DCB-8C09-793AA891D14E}"/>
+              </a:ext>
+            </a:extLst>
+          </p:cNvPr>
+          <p:cNvSpPr/>
+          <p:nvPr/>
+        </p:nvSpPr>
+        <p:spPr>
+          <a:xfrm>
+            <a:off x="6493298" y="2211456"/>
+            <a:ext cx="597472" cy="300380"/>
+          </a:xfrm>
+          <a:prstGeom prst="cloudCallout">
+            <a:avLst/>
+          </a:prstGeom>
+          <a:solidFill>
+            <a:schemeClr val="bg1"/>
+          </a:solidFill>
+          <a:ln>
+            <a:solidFill>
+              <a:schemeClr val="bg1"/>
+            </a:solidFill>
+          </a:ln>
+        </p:spPr>
+        <p:style>
+          <a:lnRef idx="2">
+            <a:schemeClr val="accent1">
+              <a:shade val="15000"/>
+            </a:schemeClr>
+          </a:lnRef>
+          <a:fillRef idx="1">
+            <a:schemeClr val="accent1"/>
+          </a:fillRef>
+          <a:effectRef idx="0">
+            <a:schemeClr val="accent1"/>
+          </a:effectRef>
+          <a:fontRef idx="minor">
+            <a:schemeClr val="lt1"/>
+          </a:fontRef>
+        </p:style>
+        <p:txBody>
+          <a:bodyPr rtlCol="0" anchor="ctr"/>
+          <a:lstStyle/>
+          <a:p>
+            <a:pPr algn="ctr"/>
+            <a:r>
+              <a:rPr lang="en-US" altLang="zh-CN" dirty="0">
+                <a:solidFill>
+                  <a:schemeClr val="tx1">
+                    <a:lumMod val="85000"/>
+                    <a:lumOff val="15000"/>
+                  </a:schemeClr>
+                </a:solidFill>
+                <a:latin typeface="HarmonyOS Sans SC Black" panose="00000A00000000000000" pitchFamily="2" charset="-122"/>
+                <a:ea typeface="HarmonyOS Sans SC Black" panose="00000A00000000000000" pitchFamily="2" charset="-122"/>
+              </a:rPr>
+              <a:t>?</a:t>
+            </a:r>
+            <a:endParaRPr lang="zh-CN" altLang="en-US" dirty="0">
+              <a:solidFill>
+                <a:schemeClr val="tx1">
+                  <a:lumMod val="85000"/>
+                  <a:lumOff val="15000"/>
+                </a:schemeClr>
+              </a:solidFill>
+              <a:latin typeface="HarmonyOS Sans SC Black" panose="00000A00000000000000" pitchFamily="2" charset="-122"/>
+              <a:ea typeface="HarmonyOS Sans SC Black" panose="00000A00000000000000" pitchFamily="2" charset="-122"/>
+            </a:endParaRPr>
+          </a:p>
+        </p:txBody>
+      </p:sp>
+    </p:spTree>
+    <p:extLst>
+      <p:ext uri="{BB962C8B-B14F-4D97-AF65-F5344CB8AC3E}">
+        <p14:creationId xmlns:p14="http://schemas.microsoft.com/office/powerpoint/2010/main" val="2357120192"/>
+      </p:ext>
+    </p:extLst>
+  </p:cSld>
+  <p:clrMapOvr>
+    <a:masterClrMapping/>
+  </p:clrMapOvr>
+</p:sld>
+</file>
+
+<file path=ppt/slides/slide9.xml><?xml version="1.0" encoding="utf-8"?>
+<p:sld xmlns:a="http://schemas.openxmlformats.org/drawingml/2006/main" xmlns:r="http://schemas.openxmlformats.org/officeDocument/2006/relationships" xmlns:p="http://schemas.openxmlformats.org/presentationml/2006/main">
+  <p:cSld>
+    <p:spTree>
+      <p:nvGrpSpPr>
+        <p:cNvPr id="1" name=""/>
+        <p:cNvGrpSpPr/>
+        <p:nvPr/>
+      </p:nvGrpSpPr>
+      <p:grpSpPr>
+        <a:xfrm>
+          <a:off x="0" y="0"/>
+          <a:ext cx="0" cy="0"/>
+          <a:chOff x="0" y="0"/>
+          <a:chExt cx="0" cy="0"/>
+        </a:xfrm>
+      </p:grpSpPr>
       <p:sp>
         <p:nvSpPr>
           <p:cNvPr id="9" name="矩形 8">
@@ -4742,36 +5152,6 @@
     <p:extLst>
       <p:ext uri="{BB962C8B-B14F-4D97-AF65-F5344CB8AC3E}">
         <p14:creationId xmlns:p14="http://schemas.microsoft.com/office/powerpoint/2010/main" val="1700068629"/>
-      </p:ext>
-    </p:extLst>
-  </p:cSld>
-  <p:clrMapOvr>
-    <a:masterClrMapping/>
-  </p:clrMapOvr>
-</p:sld>
-</file>
-
-<file path=ppt/slides/slide9.xml><?xml version="1.0" encoding="utf-8"?>
-<p:sld xmlns:a="http://schemas.openxmlformats.org/drawingml/2006/main" xmlns:r="http://schemas.openxmlformats.org/officeDocument/2006/relationships" xmlns:p="http://schemas.openxmlformats.org/presentationml/2006/main">
-  <p:cSld>
-    <p:spTree>
-      <p:nvGrpSpPr>
-        <p:cNvPr id="1" name=""/>
-        <p:cNvGrpSpPr/>
-        <p:nvPr/>
-      </p:nvGrpSpPr>
-      <p:grpSpPr>
-        <a:xfrm>
-          <a:off x="0" y="0"/>
-          <a:ext cx="0" cy="0"/>
-          <a:chOff x="0" y="0"/>
-          <a:chExt cx="0" cy="0"/>
-        </a:xfrm>
-      </p:grpSpPr>
-    </p:spTree>
-    <p:extLst>
-      <p:ext uri="{BB962C8B-B14F-4D97-AF65-F5344CB8AC3E}">
-        <p14:creationId xmlns:p14="http://schemas.microsoft.com/office/powerpoint/2010/main" val="2467950584"/>
       </p:ext>
     </p:extLst>
   </p:cSld>

--- a/assets/2023_11_03_ChatoperaStoreDocs.pptx
+++ b/assets/2023_11_03_ChatoperaStoreDocs.pptx
@@ -270,7 +270,7 @@
           <a:p>
             <a:fld id="{3A62DE47-5953-4315-91E3-B19830F018EF}" type="datetimeFigureOut">
               <a:rPr lang="en-US" smtClean="0"/>
-              <a:t>11/3/2023</a:t>
+              <a:t>11/4/2023</a:t>
             </a:fld>
             <a:endParaRPr lang="en-US"/>
           </a:p>
@@ -468,7 +468,7 @@
           <a:p>
             <a:fld id="{3A62DE47-5953-4315-91E3-B19830F018EF}" type="datetimeFigureOut">
               <a:rPr lang="en-US" smtClean="0"/>
-              <a:t>11/3/2023</a:t>
+              <a:t>11/4/2023</a:t>
             </a:fld>
             <a:endParaRPr lang="en-US"/>
           </a:p>
@@ -676,7 +676,7 @@
           <a:p>
             <a:fld id="{3A62DE47-5953-4315-91E3-B19830F018EF}" type="datetimeFigureOut">
               <a:rPr lang="en-US" smtClean="0"/>
-              <a:t>11/3/2023</a:t>
+              <a:t>11/4/2023</a:t>
             </a:fld>
             <a:endParaRPr lang="en-US"/>
           </a:p>
@@ -874,7 +874,7 @@
           <a:p>
             <a:fld id="{3A62DE47-5953-4315-91E3-B19830F018EF}" type="datetimeFigureOut">
               <a:rPr lang="en-US" smtClean="0"/>
-              <a:t>11/3/2023</a:t>
+              <a:t>11/4/2023</a:t>
             </a:fld>
             <a:endParaRPr lang="en-US"/>
           </a:p>
@@ -1149,7 +1149,7 @@
           <a:p>
             <a:fld id="{3A62DE47-5953-4315-91E3-B19830F018EF}" type="datetimeFigureOut">
               <a:rPr lang="en-US" smtClean="0"/>
-              <a:t>11/3/2023</a:t>
+              <a:t>11/4/2023</a:t>
             </a:fld>
             <a:endParaRPr lang="en-US"/>
           </a:p>
@@ -1414,7 +1414,7 @@
           <a:p>
             <a:fld id="{3A62DE47-5953-4315-91E3-B19830F018EF}" type="datetimeFigureOut">
               <a:rPr lang="en-US" smtClean="0"/>
-              <a:t>11/3/2023</a:t>
+              <a:t>11/4/2023</a:t>
             </a:fld>
             <a:endParaRPr lang="en-US"/>
           </a:p>
@@ -1826,7 +1826,7 @@
           <a:p>
             <a:fld id="{3A62DE47-5953-4315-91E3-B19830F018EF}" type="datetimeFigureOut">
               <a:rPr lang="en-US" smtClean="0"/>
-              <a:t>11/3/2023</a:t>
+              <a:t>11/4/2023</a:t>
             </a:fld>
             <a:endParaRPr lang="en-US"/>
           </a:p>
@@ -1967,7 +1967,7 @@
           <a:p>
             <a:fld id="{3A62DE47-5953-4315-91E3-B19830F018EF}" type="datetimeFigureOut">
               <a:rPr lang="en-US" smtClean="0"/>
-              <a:t>11/3/2023</a:t>
+              <a:t>11/4/2023</a:t>
             </a:fld>
             <a:endParaRPr lang="en-US"/>
           </a:p>
@@ -2080,7 +2080,7 @@
           <a:p>
             <a:fld id="{3A62DE47-5953-4315-91E3-B19830F018EF}" type="datetimeFigureOut">
               <a:rPr lang="en-US" smtClean="0"/>
-              <a:t>11/3/2023</a:t>
+              <a:t>11/4/2023</a:t>
             </a:fld>
             <a:endParaRPr lang="en-US"/>
           </a:p>
@@ -2391,7 +2391,7 @@
           <a:p>
             <a:fld id="{3A62DE47-5953-4315-91E3-B19830F018EF}" type="datetimeFigureOut">
               <a:rPr lang="en-US" smtClean="0"/>
-              <a:t>11/3/2023</a:t>
+              <a:t>11/4/2023</a:t>
             </a:fld>
             <a:endParaRPr lang="en-US"/>
           </a:p>
@@ -2679,7 +2679,7 @@
           <a:p>
             <a:fld id="{3A62DE47-5953-4315-91E3-B19830F018EF}" type="datetimeFigureOut">
               <a:rPr lang="en-US" smtClean="0"/>
-              <a:t>11/3/2023</a:t>
+              <a:t>11/4/2023</a:t>
             </a:fld>
             <a:endParaRPr lang="en-US"/>
           </a:p>
@@ -2920,7 +2920,7 @@
           <a:p>
             <a:fld id="{3A62DE47-5953-4315-91E3-B19830F018EF}" type="datetimeFigureOut">
               <a:rPr lang="en-US" smtClean="0"/>
-              <a:t>11/3/2023</a:t>
+              <a:t>11/4/2023</a:t>
             </a:fld>
             <a:endParaRPr lang="en-US"/>
           </a:p>
